--- a/log4j.pptx
+++ b/log4j.pptx
@@ -5,7 +5,7 @@
     <p:sldMasterId id="2147483672" r:id="rId1"/>
   </p:sldMasterIdLst>
   <p:notesMasterIdLst>
-    <p:notesMasterId r:id="rId9"/>
+    <p:notesMasterId r:id="rId12"/>
   </p:notesMasterIdLst>
   <p:sldIdLst>
     <p:sldId id="256" r:id="rId2"/>
@@ -15,6 +15,9 @@
     <p:sldId id="260" r:id="rId6"/>
     <p:sldId id="261" r:id="rId7"/>
     <p:sldId id="262" r:id="rId8"/>
+    <p:sldId id="263" r:id="rId9"/>
+    <p:sldId id="264" r:id="rId10"/>
+    <p:sldId id="265" r:id="rId11"/>
   </p:sldIdLst>
   <p:sldSz cx="9144000" cy="6858000" type="screen4x3"/>
   <p:notesSz cx="6858000" cy="9144000"/>
@@ -113,6 +116,22 @@
       </a:defRPr>
     </a:lvl9pPr>
   </p:defaultTextStyle>
+  <p:extLst>
+    <p:ext uri="{EFAFB233-063F-42B5-8137-9DF3F51BA10A}">
+      <p15:sldGuideLst xmlns:p15="http://schemas.microsoft.com/office/powerpoint/2012/main">
+        <p15:guide id="1" orient="horz" pos="2160">
+          <p15:clr>
+            <a:srgbClr val="A4A3A4"/>
+          </p15:clr>
+        </p15:guide>
+        <p15:guide id="2" pos="2880">
+          <p15:clr>
+            <a:srgbClr val="A4A3A4"/>
+          </p15:clr>
+        </p15:guide>
+      </p15:sldGuideLst>
+    </p:ext>
+  </p:extLst>
 </p:presentation>
 </file>
 
@@ -198,7 +217,7 @@
           <a:p>
             <a:fld id="{9966E2CF-A176-4C49-94D3-7C2E020399F8}" type="datetimeFigureOut">
               <a:rPr lang="en-US" smtClean="0"/>
-              <a:t>14-Jun-15</a:t>
+              <a:t>6/16/2015</a:t>
             </a:fld>
             <a:endParaRPr lang="en-US"/>
           </a:p>
@@ -366,6 +385,11 @@
         </p:txBody>
       </p:sp>
     </p:spTree>
+    <p:extLst>
+      <p:ext uri="{BB962C8B-B14F-4D97-AF65-F5344CB8AC3E}">
+        <p14:creationId xmlns:p14="http://schemas.microsoft.com/office/powerpoint/2010/main" val="2947235365"/>
+      </p:ext>
+    </p:extLst>
   </p:cSld>
   <p:clrMap bg1="lt1" tx1="dk1" bg2="lt2" tx2="dk2" accent1="accent1" accent2="accent2" accent3="accent3" accent4="accent4" accent5="accent5" accent6="accent6" hlink="hlink" folHlink="folHlink"/>
   <p:notesStyle>
@@ -537,6 +561,11 @@
         </p:txBody>
       </p:sp>
     </p:spTree>
+    <p:extLst>
+      <p:ext uri="{BB962C8B-B14F-4D97-AF65-F5344CB8AC3E}">
+        <p14:creationId xmlns:p14="http://schemas.microsoft.com/office/powerpoint/2010/main" val="2715603094"/>
+      </p:ext>
+    </p:extLst>
   </p:cSld>
   <p:clrMapOvr>
     <a:masterClrMapping/>
@@ -718,7 +747,7 @@
             <a:fld id="{1D8BD707-D9CF-40AE-B4C6-C98DA3205C09}" type="datetimeFigureOut">
               <a:rPr lang="en-US" smtClean="0"/>
               <a:pPr/>
-              <a:t>14-Jun-15</a:t>
+              <a:t>6/16/2015</a:t>
             </a:fld>
             <a:endParaRPr lang="en-US"/>
           </a:p>
@@ -885,7 +914,7 @@
             <a:fld id="{1D8BD707-D9CF-40AE-B4C6-C98DA3205C09}" type="datetimeFigureOut">
               <a:rPr lang="en-US" smtClean="0"/>
               <a:pPr/>
-              <a:t>14-Jun-15</a:t>
+              <a:t>6/16/2015</a:t>
             </a:fld>
             <a:endParaRPr lang="en-US"/>
           </a:p>
@@ -1062,7 +1091,7 @@
             <a:fld id="{1D8BD707-D9CF-40AE-B4C6-C98DA3205C09}" type="datetimeFigureOut">
               <a:rPr lang="en-US" smtClean="0"/>
               <a:pPr/>
-              <a:t>14-Jun-15</a:t>
+              <a:t>6/16/2015</a:t>
             </a:fld>
             <a:endParaRPr lang="en-US"/>
           </a:p>
@@ -1229,7 +1258,7 @@
             <a:fld id="{1D8BD707-D9CF-40AE-B4C6-C98DA3205C09}" type="datetimeFigureOut">
               <a:rPr lang="en-US" smtClean="0"/>
               <a:pPr/>
-              <a:t>14-Jun-15</a:t>
+              <a:t>6/16/2015</a:t>
             </a:fld>
             <a:endParaRPr lang="en-US"/>
           </a:p>
@@ -1473,7 +1502,7 @@
             <a:fld id="{1D8BD707-D9CF-40AE-B4C6-C98DA3205C09}" type="datetimeFigureOut">
               <a:rPr lang="en-US" smtClean="0"/>
               <a:pPr/>
-              <a:t>14-Jun-15</a:t>
+              <a:t>6/16/2015</a:t>
             </a:fld>
             <a:endParaRPr lang="en-US"/>
           </a:p>
@@ -1739,7 +1768,7 @@
             <a:fld id="{1D8BD707-D9CF-40AE-B4C6-C98DA3205C09}" type="datetimeFigureOut">
               <a:rPr lang="en-US" smtClean="0"/>
               <a:pPr/>
-              <a:t>14-Jun-15</a:t>
+              <a:t>6/16/2015</a:t>
             </a:fld>
             <a:endParaRPr lang="en-US"/>
           </a:p>
@@ -2119,7 +2148,7 @@
             <a:fld id="{1D8BD707-D9CF-40AE-B4C6-C98DA3205C09}" type="datetimeFigureOut">
               <a:rPr lang="en-US" smtClean="0"/>
               <a:pPr/>
-              <a:t>14-Jun-15</a:t>
+              <a:t>6/16/2015</a:t>
             </a:fld>
             <a:endParaRPr lang="en-US"/>
           </a:p>
@@ -2271,7 +2300,7 @@
             <a:fld id="{1D8BD707-D9CF-40AE-B4C6-C98DA3205C09}" type="datetimeFigureOut">
               <a:rPr lang="en-US" smtClean="0"/>
               <a:pPr/>
-              <a:t>14-Jun-15</a:t>
+              <a:t>6/16/2015</a:t>
             </a:fld>
             <a:endParaRPr lang="en-US"/>
           </a:p>
@@ -2363,7 +2392,7 @@
             <a:fld id="{1D8BD707-D9CF-40AE-B4C6-C98DA3205C09}" type="datetimeFigureOut">
               <a:rPr lang="en-US" smtClean="0"/>
               <a:pPr/>
-              <a:t>14-Jun-15</a:t>
+              <a:t>6/16/2015</a:t>
             </a:fld>
             <a:endParaRPr lang="en-US"/>
           </a:p>
@@ -2626,7 +2655,7 @@
             <a:fld id="{1D8BD707-D9CF-40AE-B4C6-C98DA3205C09}" type="datetimeFigureOut">
               <a:rPr lang="en-US" smtClean="0"/>
               <a:pPr/>
-              <a:t>14-Jun-15</a:t>
+              <a:t>6/16/2015</a:t>
             </a:fld>
             <a:endParaRPr lang="en-US"/>
           </a:p>
@@ -2916,7 +2945,7 @@
             <a:fld id="{1D8BD707-D9CF-40AE-B4C6-C98DA3205C09}" type="datetimeFigureOut">
               <a:rPr lang="en-US" smtClean="0"/>
               <a:pPr/>
-              <a:t>14-Jun-15</a:t>
+              <a:t>6/16/2015</a:t>
             </a:fld>
             <a:endParaRPr lang="en-US"/>
           </a:p>
@@ -3689,7 +3718,7 @@
             <a:fld id="{1D8BD707-D9CF-40AE-B4C6-C98DA3205C09}" type="datetimeFigureOut">
               <a:rPr lang="en-US" smtClean="0"/>
               <a:pPr/>
-              <a:t>14-Jun-15</a:t>
+              <a:t>6/16/2015</a:t>
             </a:fld>
             <a:endParaRPr lang="en-US"/>
           </a:p>
@@ -4369,6 +4398,162 @@
 </p:sld>
 </file>
 
+<file path=ppt/slides/slide10.xml><?xml version="1.0" encoding="utf-8"?>
+<p:sld xmlns:a="http://schemas.openxmlformats.org/drawingml/2006/main" xmlns:r="http://schemas.openxmlformats.org/officeDocument/2006/relationships" xmlns:p="http://schemas.openxmlformats.org/presentationml/2006/main">
+  <p:cSld>
+    <p:spTree>
+      <p:nvGrpSpPr>
+        <p:cNvPr id="1" name=""/>
+        <p:cNvGrpSpPr/>
+        <p:nvPr/>
+      </p:nvGrpSpPr>
+      <p:grpSpPr>
+        <a:xfrm>
+          <a:off x="0" y="0"/>
+          <a:ext cx="0" cy="0"/>
+          <a:chOff x="0" y="0"/>
+          <a:chExt cx="0" cy="0"/>
+        </a:xfrm>
+      </p:grpSpPr>
+      <p:sp>
+        <p:nvSpPr>
+          <p:cNvPr id="2" name="Title 1"/>
+          <p:cNvSpPr>
+            <a:spLocks noGrp="1"/>
+          </p:cNvSpPr>
+          <p:nvPr>
+            <p:ph type="title"/>
+          </p:nvPr>
+        </p:nvSpPr>
+        <p:spPr/>
+        <p:txBody>
+          <a:bodyPr/>
+          <a:lstStyle/>
+          <a:p>
+            <a:r>
+              <a:rPr lang="en-US" dirty="0" smtClean="0"/>
+              <a:t>Implementation - extent</a:t>
+            </a:r>
+            <a:endParaRPr lang="sk-SK" dirty="0"/>
+          </a:p>
+        </p:txBody>
+      </p:sp>
+      <p:sp>
+        <p:nvSpPr>
+          <p:cNvPr id="3" name="Content Placeholder 2"/>
+          <p:cNvSpPr>
+            <a:spLocks noGrp="1"/>
+          </p:cNvSpPr>
+          <p:nvPr>
+            <p:ph idx="1"/>
+          </p:nvPr>
+        </p:nvSpPr>
+        <p:spPr/>
+        <p:txBody>
+          <a:bodyPr/>
+          <a:lstStyle/>
+          <a:p>
+            <a:pPr>
+              <a:buFont typeface="Arial" panose="020B0604020202020204" pitchFamily="34" charset="0"/>
+              <a:buChar char="•"/>
+            </a:pPr>
+            <a:r>
+              <a:rPr lang="en-US" dirty="0"/>
+              <a:t> 99% of use cases covered – most files found only use basic functionality</a:t>
+            </a:r>
+          </a:p>
+          <a:p>
+            <a:pPr lvl="1">
+              <a:buFont typeface="Arial" panose="020B0604020202020204" pitchFamily="34" charset="0"/>
+              <a:buChar char="•"/>
+            </a:pPr>
+            <a:r>
+              <a:rPr lang="en-US" dirty="0"/>
+              <a:t>Actually a problem to find examples of more advanced features of log4j in both properties and XML</a:t>
+            </a:r>
+          </a:p>
+          <a:p>
+            <a:pPr lvl="1">
+              <a:buFont typeface="Arial" panose="020B0604020202020204" pitchFamily="34" charset="0"/>
+              <a:buChar char="•"/>
+            </a:pPr>
+            <a:r>
+              <a:rPr lang="en-US" dirty="0"/>
+              <a:t>Log4j2 has better documentation with XML examples, but no longer supports properties</a:t>
+            </a:r>
+          </a:p>
+          <a:p>
+            <a:pPr>
+              <a:buFont typeface="Arial" panose="020B0604020202020204" pitchFamily="34" charset="0"/>
+              <a:buChar char="•"/>
+            </a:pPr>
+            <a:r>
+              <a:rPr lang="en-US" dirty="0"/>
+              <a:t> Not implemented:</a:t>
+            </a:r>
+          </a:p>
+          <a:p>
+            <a:pPr lvl="1">
+              <a:buFont typeface="Arial" panose="020B0604020202020204" pitchFamily="34" charset="0"/>
+              <a:buChar char="•"/>
+            </a:pPr>
+            <a:r>
+              <a:rPr lang="en-US" dirty="0"/>
+              <a:t>Mainly some more advanced </a:t>
+            </a:r>
+            <a:r>
+              <a:rPr lang="en-US" dirty="0" err="1"/>
+              <a:t>appenders</a:t>
+            </a:r>
+            <a:r>
+              <a:rPr lang="en-US" dirty="0"/>
+              <a:t> – </a:t>
+            </a:r>
+            <a:r>
+              <a:rPr lang="en-US" dirty="0" err="1"/>
+              <a:t>NoSQLAppender</a:t>
+            </a:r>
+            <a:r>
+              <a:rPr lang="en-US" dirty="0"/>
+              <a:t>, </a:t>
+            </a:r>
+            <a:r>
+              <a:rPr lang="en-US" dirty="0" err="1"/>
+              <a:t>AsyncAppender</a:t>
+            </a:r>
+            <a:r>
+              <a:rPr lang="en-US" dirty="0"/>
+              <a:t>, etc.</a:t>
+            </a:r>
+          </a:p>
+          <a:p>
+            <a:pPr lvl="1">
+              <a:buFont typeface="Arial" panose="020B0604020202020204" pitchFamily="34" charset="0"/>
+              <a:buChar char="•"/>
+            </a:pPr>
+            <a:r>
+              <a:rPr lang="en-US" dirty="0"/>
+              <a:t>Possibly some other minor things</a:t>
+            </a:r>
+          </a:p>
+          <a:p>
+            <a:endParaRPr lang="sk-SK" dirty="0"/>
+          </a:p>
+        </p:txBody>
+      </p:sp>
+    </p:spTree>
+    <p:extLst>
+      <p:ext uri="{BB962C8B-B14F-4D97-AF65-F5344CB8AC3E}">
+        <p14:creationId xmlns:p14="http://schemas.microsoft.com/office/powerpoint/2010/main" val="2996873299"/>
+      </p:ext>
+    </p:extLst>
+  </p:cSld>
+  <p:clrMapOvr>
+    <a:masterClrMapping/>
+  </p:clrMapOvr>
+</p:sld>
+</file>
+
 <file path=ppt/slides/slide2.xml><?xml version="1.0" encoding="utf-8"?>
 <p:sld xmlns:a="http://schemas.openxmlformats.org/drawingml/2006/main" xmlns:r="http://schemas.openxmlformats.org/officeDocument/2006/relationships" xmlns:p="http://schemas.openxmlformats.org/presentationml/2006/main">
   <p:cSld>
@@ -4690,19 +4875,7 @@
               <a:rPr lang="en-US" dirty="0" smtClean="0">
                 <a:hlinkClick r:id="rId2"/>
               </a:rPr>
-              <a:t>https</a:t>
-            </a:r>
-            <a:r>
-              <a:rPr lang="en-US" dirty="0" smtClean="0">
-                <a:hlinkClick r:id="rId2"/>
-              </a:rPr>
-              <a:t>://</a:t>
-            </a:r>
-            <a:r>
-              <a:rPr lang="en-US" dirty="0" smtClean="0">
-                <a:hlinkClick r:id="rId2"/>
-              </a:rPr>
-              <a:t>github.com/xstefank/log4jToXml</a:t>
+              <a:t>https://github.com/xstefank/log4jToXml</a:t>
             </a:r>
             <a:endParaRPr lang="en-US" dirty="0" smtClean="0"/>
           </a:p>
@@ -4733,13 +4906,7 @@
               <a:rPr lang="en-US" dirty="0" smtClean="0">
                 <a:hlinkClick r:id="rId3"/>
               </a:rPr>
-              <a:t>http://xstefank.github.io/log4jToXml</a:t>
-            </a:r>
-            <a:r>
-              <a:rPr lang="en-US" dirty="0" smtClean="0">
-                <a:hlinkClick r:id="rId3"/>
-              </a:rPr>
-              <a:t>/</a:t>
+              <a:t>http://xstefank.github.io/log4jToXml/</a:t>
             </a:r>
             <a:endParaRPr lang="en-US" dirty="0" smtClean="0"/>
           </a:p>
@@ -4762,13 +4929,7 @@
               <a:rPr lang="en-US" dirty="0" smtClean="0">
                 <a:hlinkClick r:id="rId4"/>
               </a:rPr>
-              <a:t>https://</a:t>
-            </a:r>
-            <a:r>
-              <a:rPr lang="en-US" dirty="0" smtClean="0">
-                <a:hlinkClick r:id="rId4"/>
-              </a:rPr>
-              <a:t>github.com/xstefank/log4jToXml/wiki</a:t>
+              <a:t>https://github.com/xstefank/log4jToXml/wiki</a:t>
             </a:r>
             <a:endParaRPr lang="en-US" dirty="0" smtClean="0"/>
           </a:p>
@@ -4883,39 +5044,26 @@
               <a:rPr lang="en-US" dirty="0" smtClean="0"/>
               <a:t>Provides services </a:t>
             </a:r>
-            <a:endParaRPr lang="en-US" dirty="0" smtClean="0"/>
           </a:p>
           <a:p>
             <a:pPr lvl="1"/>
             <a:r>
               <a:rPr lang="en-US" dirty="0" smtClean="0"/>
-              <a:t>t</a:t>
-            </a:r>
+              <a:t>to load and validate input Xml file</a:t>
+            </a:r>
+          </a:p>
+          <a:p>
+            <a:pPr lvl="1"/>
             <a:r>
               <a:rPr lang="en-US" dirty="0" smtClean="0"/>
-              <a:t>o load and validate input Xml file</a:t>
+              <a:t>to convert loaded file into Properties format</a:t>
             </a:r>
           </a:p>
           <a:p>
             <a:pPr lvl="1"/>
             <a:r>
               <a:rPr lang="en-US" dirty="0" smtClean="0"/>
-              <a:t>t</a:t>
-            </a:r>
-            <a:r>
-              <a:rPr lang="en-US" dirty="0" smtClean="0"/>
-              <a:t>o convert loaded file into Properties format</a:t>
-            </a:r>
-          </a:p>
-          <a:p>
-            <a:pPr lvl="1"/>
-            <a:r>
-              <a:rPr lang="en-US" dirty="0" smtClean="0"/>
-              <a:t>t</a:t>
-            </a:r>
-            <a:r>
-              <a:rPr lang="en-US" dirty="0" smtClean="0"/>
-              <a:t>o save Properties into desired file</a:t>
+              <a:t>to save Properties into desired file</a:t>
             </a:r>
           </a:p>
           <a:p>
@@ -5178,6 +5326,427 @@
       </p:par>
     </p:tnLst>
   </p:timing>
+</p:sld>
+</file>
+
+<file path=ppt/slides/slide8.xml><?xml version="1.0" encoding="utf-8"?>
+<p:sld xmlns:a="http://schemas.openxmlformats.org/drawingml/2006/main" xmlns:r="http://schemas.openxmlformats.org/officeDocument/2006/relationships" xmlns:p="http://schemas.openxmlformats.org/presentationml/2006/main">
+  <p:cSld>
+    <p:spTree>
+      <p:nvGrpSpPr>
+        <p:cNvPr id="1" name=""/>
+        <p:cNvGrpSpPr/>
+        <p:nvPr/>
+      </p:nvGrpSpPr>
+      <p:grpSpPr>
+        <a:xfrm>
+          <a:off x="0" y="0"/>
+          <a:ext cx="0" cy="0"/>
+          <a:chOff x="0" y="0"/>
+          <a:chExt cx="0" cy="0"/>
+        </a:xfrm>
+      </p:grpSpPr>
+      <p:sp>
+        <p:nvSpPr>
+          <p:cNvPr id="2" name="Title 1"/>
+          <p:cNvSpPr>
+            <a:spLocks noGrp="1"/>
+          </p:cNvSpPr>
+          <p:nvPr>
+            <p:ph type="title"/>
+          </p:nvPr>
+        </p:nvSpPr>
+        <p:spPr/>
+        <p:txBody>
+          <a:bodyPr/>
+          <a:lstStyle/>
+          <a:p>
+            <a:r>
+              <a:rPr lang="en-US" dirty="0"/>
+              <a:t>Properties to  </a:t>
+            </a:r>
+            <a:r>
+              <a:rPr lang="en-US" dirty="0" smtClean="0"/>
+              <a:t>XML conversion</a:t>
+            </a:r>
+            <a:endParaRPr lang="sk-SK" dirty="0"/>
+          </a:p>
+        </p:txBody>
+      </p:sp>
+      <p:sp>
+        <p:nvSpPr>
+          <p:cNvPr id="3" name="Content Placeholder 2"/>
+          <p:cNvSpPr>
+            <a:spLocks noGrp="1"/>
+          </p:cNvSpPr>
+          <p:nvPr>
+            <p:ph idx="1"/>
+          </p:nvPr>
+        </p:nvSpPr>
+        <p:spPr/>
+        <p:txBody>
+          <a:bodyPr>
+            <a:normAutofit fontScale="92500" lnSpcReduction="20000"/>
+          </a:bodyPr>
+          <a:lstStyle/>
+          <a:p>
+            <a:pPr>
+              <a:buFont typeface="Arial" panose="020B0604020202020204" pitchFamily="34" charset="0"/>
+              <a:buChar char="•"/>
+            </a:pPr>
+            <a:r>
+              <a:rPr lang="en-US" sz="2400" dirty="0"/>
+              <a:t>Classes:</a:t>
+            </a:r>
+          </a:p>
+          <a:p>
+            <a:pPr lvl="1">
+              <a:buFont typeface="Arial" panose="020B0604020202020204" pitchFamily="34" charset="0"/>
+              <a:buChar char="•"/>
+            </a:pPr>
+            <a:r>
+              <a:rPr lang="en-US" sz="2000" dirty="0"/>
+              <a:t>Package – simple format for working with data</a:t>
+            </a:r>
+          </a:p>
+          <a:p>
+            <a:pPr lvl="2">
+              <a:buFont typeface="Arial" panose="020B0604020202020204" pitchFamily="34" charset="0"/>
+              <a:buChar char="•"/>
+            </a:pPr>
+            <a:r>
+              <a:rPr lang="en-US" sz="1600" dirty="0"/>
+              <a:t>Separates each line to  a list of “levels” (</a:t>
+            </a:r>
+            <a:r>
+              <a:rPr lang="en-US" sz="1600" dirty="0" err="1"/>
+              <a:t>com.foo.bar</a:t>
+            </a:r>
+            <a:r>
+              <a:rPr lang="en-US" sz="1600" dirty="0"/>
+              <a:t> = 3 levels) and its value</a:t>
+            </a:r>
+          </a:p>
+          <a:p>
+            <a:pPr lvl="2">
+              <a:buFont typeface="Arial" panose="020B0604020202020204" pitchFamily="34" charset="0"/>
+              <a:buChar char="•"/>
+            </a:pPr>
+            <a:r>
+              <a:rPr lang="en-US" sz="1600" dirty="0"/>
+              <a:t>Contains utility functions for easier manipulation, e.g. </a:t>
+            </a:r>
+            <a:r>
+              <a:rPr lang="en-US" sz="1600" dirty="0" err="1"/>
+              <a:t>getLevel</a:t>
+            </a:r>
+            <a:r>
+              <a:rPr lang="en-US" sz="1600" dirty="0"/>
+              <a:t>, </a:t>
+            </a:r>
+            <a:r>
+              <a:rPr lang="en-US" sz="1600" dirty="0" err="1"/>
+              <a:t>groupLevels</a:t>
+            </a:r>
+            <a:endParaRPr lang="en-US" sz="1600" dirty="0"/>
+          </a:p>
+          <a:p>
+            <a:pPr lvl="2">
+              <a:buFont typeface="Arial" panose="020B0604020202020204" pitchFamily="34" charset="0"/>
+              <a:buChar char="•"/>
+            </a:pPr>
+            <a:r>
+              <a:rPr lang="en-US" sz="1600" dirty="0"/>
+              <a:t>Lambda functions replace inelegant for cycles</a:t>
+            </a:r>
+          </a:p>
+          <a:p>
+            <a:pPr marL="384048" lvl="2" indent="0">
+              <a:buNone/>
+            </a:pPr>
+            <a:endParaRPr lang="en-US" dirty="0"/>
+          </a:p>
+          <a:p>
+            <a:pPr marL="384048" lvl="2" indent="0">
+              <a:buNone/>
+            </a:pPr>
+            <a:endParaRPr lang="en-US" dirty="0"/>
+          </a:p>
+          <a:p>
+            <a:pPr marL="384048" lvl="2" indent="0">
+              <a:buNone/>
+            </a:pPr>
+            <a:endParaRPr lang="en-US" dirty="0"/>
+          </a:p>
+          <a:p>
+            <a:pPr marL="384048" lvl="2" indent="0">
+              <a:buNone/>
+            </a:pPr>
+            <a:endParaRPr lang="en-US" dirty="0"/>
+          </a:p>
+          <a:p>
+            <a:pPr marL="384048" lvl="2" indent="0">
+              <a:buNone/>
+            </a:pPr>
+            <a:r>
+              <a:rPr lang="en-US" sz="3200" dirty="0"/>
+              <a:t>+</a:t>
+            </a:r>
+            <a:endParaRPr lang="en-US" dirty="0"/>
+          </a:p>
+          <a:p>
+            <a:pPr marL="0" indent="0">
+              <a:buNone/>
+            </a:pPr>
+            <a:endParaRPr lang="en-US" dirty="0"/>
+          </a:p>
+          <a:p>
+            <a:pPr marL="0" indent="0">
+              <a:buNone/>
+            </a:pPr>
+            <a:endParaRPr lang="en-US" dirty="0"/>
+          </a:p>
+          <a:p>
+            <a:pPr marL="0" indent="0">
+              <a:buNone/>
+            </a:pPr>
+            <a:r>
+              <a:rPr lang="en-US" dirty="0"/>
+              <a:t>    = (“</a:t>
+            </a:r>
+            <a:r>
+              <a:rPr lang="en-US" dirty="0" err="1"/>
+              <a:t>file”,”foo”,”bar</a:t>
+            </a:r>
+            <a:r>
+              <a:rPr lang="en-US" dirty="0"/>
+              <a:t>”)</a:t>
+            </a:r>
+          </a:p>
+          <a:p>
+            <a:endParaRPr lang="sk-SK" dirty="0"/>
+          </a:p>
+        </p:txBody>
+      </p:sp>
+      <p:pic>
+        <p:nvPicPr>
+          <p:cNvPr id="4" name="Picture 3"/>
+          <p:cNvPicPr>
+            <a:picLocks noChangeAspect="1"/>
+          </p:cNvPicPr>
+          <p:nvPr/>
+        </p:nvPicPr>
+        <p:blipFill>
+          <a:blip r:embed="rId2">
+            <a:extLst>
+              <a:ext uri="{28A0092B-C50C-407E-A947-70E740481C1C}">
+                <a14:useLocalDpi xmlns:a14="http://schemas.microsoft.com/office/drawing/2010/main" val="0"/>
+              </a:ext>
+            </a:extLst>
+          </a:blip>
+          <a:stretch>
+            <a:fillRect/>
+          </a:stretch>
+        </p:blipFill>
+        <p:spPr>
+          <a:xfrm>
+            <a:off x="1302684" y="3276600"/>
+            <a:ext cx="6538631" cy="1151368"/>
+          </a:xfrm>
+          <a:prstGeom prst="rect">
+            <a:avLst/>
+          </a:prstGeom>
+        </p:spPr>
+      </p:pic>
+      <p:pic>
+        <p:nvPicPr>
+          <p:cNvPr id="5" name="Picture 4"/>
+          <p:cNvPicPr>
+            <a:picLocks noChangeAspect="1"/>
+          </p:cNvPicPr>
+          <p:nvPr/>
+        </p:nvPicPr>
+        <p:blipFill>
+          <a:blip r:embed="rId3">
+            <a:extLst>
+              <a:ext uri="{28A0092B-C50C-407E-A947-70E740481C1C}">
+                <a14:useLocalDpi xmlns:a14="http://schemas.microsoft.com/office/drawing/2010/main" val="0"/>
+              </a:ext>
+            </a:extLst>
+          </a:blip>
+          <a:stretch>
+            <a:fillRect/>
+          </a:stretch>
+        </p:blipFill>
+        <p:spPr>
+          <a:xfrm>
+            <a:off x="1302684" y="4516360"/>
+            <a:ext cx="7549997" cy="882078"/>
+          </a:xfrm>
+          <a:prstGeom prst="rect">
+            <a:avLst/>
+          </a:prstGeom>
+        </p:spPr>
+      </p:pic>
+    </p:spTree>
+    <p:extLst>
+      <p:ext uri="{BB962C8B-B14F-4D97-AF65-F5344CB8AC3E}">
+        <p14:creationId xmlns:p14="http://schemas.microsoft.com/office/powerpoint/2010/main" val="1497298899"/>
+      </p:ext>
+    </p:extLst>
+  </p:cSld>
+  <p:clrMapOvr>
+    <a:masterClrMapping/>
+  </p:clrMapOvr>
+</p:sld>
+</file>
+
+<file path=ppt/slides/slide9.xml><?xml version="1.0" encoding="utf-8"?>
+<p:sld xmlns:a="http://schemas.openxmlformats.org/drawingml/2006/main" xmlns:r="http://schemas.openxmlformats.org/officeDocument/2006/relationships" xmlns:p="http://schemas.openxmlformats.org/presentationml/2006/main">
+  <p:cSld>
+    <p:spTree>
+      <p:nvGrpSpPr>
+        <p:cNvPr id="1" name=""/>
+        <p:cNvGrpSpPr/>
+        <p:nvPr/>
+      </p:nvGrpSpPr>
+      <p:grpSpPr>
+        <a:xfrm>
+          <a:off x="0" y="0"/>
+          <a:ext cx="0" cy="0"/>
+          <a:chOff x="0" y="0"/>
+          <a:chExt cx="0" cy="0"/>
+        </a:xfrm>
+      </p:grpSpPr>
+      <p:sp>
+        <p:nvSpPr>
+          <p:cNvPr id="2" name="Title 1"/>
+          <p:cNvSpPr>
+            <a:spLocks noGrp="1"/>
+          </p:cNvSpPr>
+          <p:nvPr>
+            <p:ph type="title"/>
+          </p:nvPr>
+        </p:nvSpPr>
+        <p:spPr/>
+        <p:txBody>
+          <a:bodyPr/>
+          <a:lstStyle/>
+          <a:p>
+            <a:r>
+              <a:rPr lang="en-US" dirty="0" smtClean="0"/>
+              <a:t>Implementation</a:t>
+            </a:r>
+            <a:endParaRPr lang="sk-SK" dirty="0"/>
+          </a:p>
+        </p:txBody>
+      </p:sp>
+      <p:sp>
+        <p:nvSpPr>
+          <p:cNvPr id="3" name="Content Placeholder 2"/>
+          <p:cNvSpPr>
+            <a:spLocks noGrp="1"/>
+          </p:cNvSpPr>
+          <p:nvPr>
+            <p:ph idx="1"/>
+          </p:nvPr>
+        </p:nvSpPr>
+        <p:spPr/>
+        <p:txBody>
+          <a:bodyPr/>
+          <a:lstStyle/>
+          <a:p>
+            <a:pPr lvl="1">
+              <a:buFont typeface="Arial" panose="020B0604020202020204" pitchFamily="34" charset="0"/>
+              <a:buChar char="•"/>
+            </a:pPr>
+            <a:r>
+              <a:rPr lang="en-US" dirty="0" err="1"/>
+              <a:t>XmlPropertiesBuilder</a:t>
+            </a:r>
+            <a:r>
+              <a:rPr lang="en-US" dirty="0"/>
+              <a:t> – Handles most parsing</a:t>
+            </a:r>
+          </a:p>
+          <a:p>
+            <a:pPr lvl="2">
+              <a:buFont typeface="Arial" panose="020B0604020202020204" pitchFamily="34" charset="0"/>
+              <a:buChar char="•"/>
+            </a:pPr>
+            <a:r>
+              <a:rPr lang="en-US" dirty="0" err="1"/>
+              <a:t>RootLogger</a:t>
+            </a:r>
+            <a:r>
+              <a:rPr lang="en-US" dirty="0"/>
+              <a:t>, loggers, categories, renderers…</a:t>
+            </a:r>
+          </a:p>
+          <a:p>
+            <a:pPr lvl="1">
+              <a:buFont typeface="Arial" panose="020B0604020202020204" pitchFamily="34" charset="0"/>
+              <a:buChar char="•"/>
+            </a:pPr>
+            <a:r>
+              <a:rPr lang="en-US" dirty="0" err="1"/>
+              <a:t>AppenderParser</a:t>
+            </a:r>
+            <a:r>
+              <a:rPr lang="en-US" dirty="0"/>
+              <a:t> – Handles </a:t>
+            </a:r>
+            <a:r>
+              <a:rPr lang="en-US" dirty="0" err="1"/>
+              <a:t>appenders</a:t>
+            </a:r>
+            <a:endParaRPr lang="en-US" dirty="0"/>
+          </a:p>
+          <a:p>
+            <a:pPr lvl="2">
+              <a:buFont typeface="Arial" panose="020B0604020202020204" pitchFamily="34" charset="0"/>
+              <a:buChar char="•"/>
+            </a:pPr>
+            <a:r>
+              <a:rPr lang="en-US" dirty="0" err="1"/>
+              <a:t>Appenders</a:t>
+            </a:r>
+            <a:r>
+              <a:rPr lang="en-US" dirty="0"/>
+              <a:t> have multiple subparts – layout, </a:t>
+            </a:r>
+            <a:r>
+              <a:rPr lang="en-US" dirty="0" err="1"/>
+              <a:t>rollingPolicy</a:t>
+            </a:r>
+            <a:r>
+              <a:rPr lang="en-US" dirty="0"/>
+              <a:t>, filter, </a:t>
+            </a:r>
+            <a:r>
+              <a:rPr lang="en-US" dirty="0" err="1"/>
+              <a:t>errorHandler</a:t>
+            </a:r>
+            <a:r>
+              <a:rPr lang="en-US" dirty="0"/>
+              <a:t>…</a:t>
+            </a:r>
+          </a:p>
+          <a:p>
+            <a:endParaRPr lang="sk-SK" dirty="0"/>
+          </a:p>
+        </p:txBody>
+      </p:sp>
+    </p:spTree>
+    <p:extLst>
+      <p:ext uri="{BB962C8B-B14F-4D97-AF65-F5344CB8AC3E}">
+        <p14:creationId xmlns:p14="http://schemas.microsoft.com/office/powerpoint/2010/main" val="3794599691"/>
+      </p:ext>
+    </p:extLst>
+  </p:cSld>
+  <p:clrMapOvr>
+    <a:masterClrMapping/>
+  </p:clrMapOvr>
 </p:sld>
 </file>
 
